--- a/Занятие 2/Лекция 2.pptx
+++ b/Занятие 2/Лекция 2.pptx
@@ -9,6 +9,8 @@
     <p:sldId id="257" r:id="rId4"/>
     <p:sldId id="258" r:id="rId5"/>
     <p:sldId id="259" r:id="rId6"/>
+    <p:sldId id="260" r:id="rId7"/>
+    <p:sldId id="261" r:id="rId8"/>
   </p:sldIdLst>
   <p:sldSz cx="10080625" cy="5670550"/>
   <p:notesSz cx="7559675" cy="10691812"/>
@@ -1702,7 +1704,7 @@
           </a:bodyPr>
           <a:p>
             <a:pPr algn="r"/>
-            <a:fld id="{8533B8B9-753C-4994-8D98-0D75B0044392}" type="slidenum">
+            <a:fld id="{C8DE6784-1E1F-4EA4-9C44-EC4F8310CEB2}" type="slidenum">
               <a:rPr b="0" lang="ru-RU" sz="1400" spc="-1" strike="noStrike">
                 <a:latin typeface="Times New Roman"/>
               </a:rPr>
@@ -1796,8 +1798,8 @@
         </p:nvSpPr>
         <p:spPr>
           <a:xfrm>
-            <a:off x="504000" y="1326600"/>
-            <a:ext cx="9071640" cy="3288240"/>
+            <a:off x="216000" y="1326600"/>
+            <a:ext cx="9576000" cy="3288240"/>
           </a:xfrm>
           <a:prstGeom prst="rect">
             <a:avLst/>
@@ -1816,9 +1818,41 @@
             <a:r>
               <a:rPr b="0" lang="ru-RU" sz="3200" spc="-1" strike="noStrike">
                 <a:latin typeface="Arial"/>
+                <a:hlinkClick r:id="rId1"/>
               </a:rPr>
               <a:t>https://desktop.github.com/</a:t>
             </a:r>
+            <a:endParaRPr b="0" lang="ru-RU" sz="3200" spc="-1" strike="noStrike">
+              <a:latin typeface="Arial"/>
+            </a:endParaRPr>
+          </a:p>
+          <a:p>
+            <a:pPr algn="ctr"/>
+            <a:endParaRPr b="0" lang="ru-RU" sz="3200" spc="-1" strike="noStrike">
+              <a:latin typeface="Arial"/>
+            </a:endParaRPr>
+          </a:p>
+          <a:p>
+            <a:pPr algn="ctr"/>
+            <a:r>
+              <a:rPr b="0" lang="ru-RU" sz="3200" spc="-1" strike="noStrike">
+                <a:latin typeface="Arial"/>
+                <a:hlinkClick r:id="rId2"/>
+              </a:rPr>
+              <a:t>https://github.com/Tol-v/Web-Programming-lessons</a:t>
+            </a:r>
+            <a:endParaRPr b="0" lang="ru-RU" sz="3200" spc="-1" strike="noStrike">
+              <a:latin typeface="Arial"/>
+            </a:endParaRPr>
+          </a:p>
+          <a:p>
+            <a:pPr algn="ctr"/>
+            <a:endParaRPr b="0" lang="ru-RU" sz="3200" spc="-1" strike="noStrike">
+              <a:latin typeface="Arial"/>
+            </a:endParaRPr>
+          </a:p>
+          <a:p>
+            <a:pPr algn="ctr"/>
             <a:endParaRPr b="0" lang="ru-RU" sz="3200" spc="-1" strike="noStrike">
               <a:latin typeface="Arial"/>
             </a:endParaRPr>
@@ -2103,8 +2137,8 @@
         </p:nvSpPr>
         <p:spPr>
           <a:xfrm>
-            <a:off x="504000" y="74160"/>
-            <a:ext cx="9071640" cy="1250280"/>
+            <a:off x="504000" y="226080"/>
+            <a:ext cx="9071640" cy="946440"/>
           </a:xfrm>
           <a:prstGeom prst="rect">
             <a:avLst/>
@@ -2120,6 +2154,12 @@
           </a:bodyPr>
           <a:p>
             <a:pPr algn="ctr"/>
+            <a:r>
+              <a:rPr b="0" lang="ru-RU" sz="4400" spc="-1" strike="noStrike">
+                <a:latin typeface="Arial"/>
+              </a:rPr>
+              <a:t>__init.py__</a:t>
+            </a:r>
             <a:endParaRPr b="0" lang="ru-RU" sz="4400" spc="-1" strike="noStrike">
               <a:latin typeface="Arial"/>
             </a:endParaRPr>
@@ -2150,6 +2190,422 @@
             <a:normAutofit/>
           </a:bodyPr>
           <a:p>
+            <a:r>
+              <a:rPr b="0" lang="ru-RU" sz="3200" spc="-1" strike="noStrike">
+                <a:latin typeface="Arial"/>
+              </a:rPr>
+              <a:t>from flask import Flask</a:t>
+            </a:r>
+            <a:endParaRPr b="0" lang="ru-RU" sz="3200" spc="-1" strike="noStrike">
+              <a:latin typeface="Arial"/>
+            </a:endParaRPr>
+          </a:p>
+          <a:p>
+            <a:endParaRPr b="0" lang="ru-RU" sz="3200" spc="-1" strike="noStrike">
+              <a:latin typeface="Arial"/>
+            </a:endParaRPr>
+          </a:p>
+          <a:p>
+            <a:r>
+              <a:rPr b="0" lang="ru-RU" sz="3200" spc="-1" strike="noStrike">
+                <a:latin typeface="Arial"/>
+              </a:rPr>
+              <a:t>app = Flask(__name__)</a:t>
+            </a:r>
+            <a:endParaRPr b="0" lang="ru-RU" sz="3200" spc="-1" strike="noStrike">
+              <a:latin typeface="Arial"/>
+            </a:endParaRPr>
+          </a:p>
+          <a:p>
+            <a:endParaRPr b="0" lang="ru-RU" sz="3200" spc="-1" strike="noStrike">
+              <a:latin typeface="Arial"/>
+            </a:endParaRPr>
+          </a:p>
+          <a:p>
+            <a:r>
+              <a:rPr b="0" lang="ru-RU" sz="3200" spc="-1" strike="noStrike">
+                <a:latin typeface="Arial"/>
+              </a:rPr>
+              <a:t>from app import routes</a:t>
+            </a:r>
+            <a:endParaRPr b="0" lang="ru-RU" sz="3200" spc="-1" strike="noStrike">
+              <a:latin typeface="Arial"/>
+            </a:endParaRPr>
+          </a:p>
+        </p:txBody>
+      </p:sp>
+    </p:spTree>
+  </p:cSld>
+  <mc:AlternateContent>
+    <mc:Choice Requires="p14">
+      <p:transition spd="slow" p14:dur="2000"/>
+    </mc:Choice>
+    <mc:Fallback>
+      <p:transition spd="slow"/>
+    </mc:Fallback>
+  </mc:AlternateContent>
+</p:sld>
+</file>
+
+<file path=ppt/slides/slide5.xml><?xml version="1.0" encoding="utf-8"?>
+<p:sld xmlns:a="http://schemas.openxmlformats.org/drawingml/2006/main" xmlns:p="http://schemas.openxmlformats.org/presentationml/2006/main" xmlns:r="http://schemas.openxmlformats.org/officeDocument/2006/relationships" xmlns:p14="http://schemas.microsoft.com/office/powerpoint/2010/main" xmlns:p15="http://schemas.microsoft.com/office/powerpoint/2012/main" xmlns:mc="http://schemas.openxmlformats.org/markup-compatibility/2006">
+  <p:cSld>
+    <p:spTree>
+      <p:nvGrpSpPr>
+        <p:cNvPr id="1" name=""/>
+        <p:cNvGrpSpPr/>
+        <p:nvPr/>
+      </p:nvGrpSpPr>
+      <p:grpSpPr>
+        <a:xfrm>
+          <a:off x="0" y="0"/>
+          <a:ext cx="0" cy="0"/>
+          <a:chOff x="0" y="0"/>
+          <a:chExt cx="0" cy="0"/>
+        </a:xfrm>
+      </p:grpSpPr>
+      <p:sp>
+        <p:nvSpPr>
+          <p:cNvPr id="51" name="TextShape 1"/>
+          <p:cNvSpPr txBox="1"/>
+          <p:nvPr/>
+        </p:nvSpPr>
+        <p:spPr>
+          <a:xfrm>
+            <a:off x="504000" y="226080"/>
+            <a:ext cx="9071640" cy="946440"/>
+          </a:xfrm>
+          <a:prstGeom prst="rect">
+            <a:avLst/>
+          </a:prstGeom>
+          <a:noFill/>
+          <a:ln>
+            <a:noFill/>
+          </a:ln>
+        </p:spPr>
+        <p:txBody>
+          <a:bodyPr lIns="0" rIns="0" tIns="0" bIns="0" anchor="ctr">
+            <a:spAutoFit/>
+          </a:bodyPr>
+          <a:p>
+            <a:pPr algn="ctr"/>
+            <a:r>
+              <a:rPr b="0" lang="ru-RU" sz="4400" spc="-1" strike="noStrike">
+                <a:latin typeface="Arial"/>
+              </a:rPr>
+              <a:t>Структура</a:t>
+            </a:r>
+            <a:endParaRPr b="0" lang="ru-RU" sz="4400" spc="-1" strike="noStrike">
+              <a:latin typeface="Arial"/>
+            </a:endParaRPr>
+          </a:p>
+        </p:txBody>
+      </p:sp>
+      <p:sp>
+        <p:nvSpPr>
+          <p:cNvPr id="52" name="TextShape 2"/>
+          <p:cNvSpPr txBox="1"/>
+          <p:nvPr/>
+        </p:nvSpPr>
+        <p:spPr>
+          <a:xfrm>
+            <a:off x="504000" y="1326600"/>
+            <a:ext cx="9071640" cy="3288240"/>
+          </a:xfrm>
+          <a:prstGeom prst="rect">
+            <a:avLst/>
+          </a:prstGeom>
+          <a:noFill/>
+          <a:ln>
+            <a:noFill/>
+          </a:ln>
+        </p:spPr>
+        <p:txBody>
+          <a:bodyPr lIns="0" rIns="0" tIns="0" bIns="0">
+            <a:normAutofit fontScale="85000"/>
+          </a:bodyPr>
+          <a:p>
+            <a:r>
+              <a:rPr b="0" lang="ru-RU" sz="3200" spc="-1" strike="noStrike">
+                <a:latin typeface="Arial"/>
+              </a:rPr>
+              <a:t>microblog/</a:t>
+            </a:r>
+            <a:endParaRPr b="0" lang="ru-RU" sz="3200" spc="-1" strike="noStrike">
+              <a:latin typeface="Arial"/>
+            </a:endParaRPr>
+          </a:p>
+          <a:p>
+            <a:r>
+              <a:rPr b="0" lang="ru-RU" sz="3200" spc="-1" strike="noStrike">
+                <a:latin typeface="Arial"/>
+              </a:rPr>
+              <a:t>  </a:t>
+            </a:r>
+            <a:r>
+              <a:rPr b="0" lang="ru-RU" sz="3200" spc="-1" strike="noStrike">
+                <a:latin typeface="Arial"/>
+              </a:rPr>
+              <a:t>venv/</a:t>
+            </a:r>
+            <a:endParaRPr b="0" lang="ru-RU" sz="3200" spc="-1" strike="noStrike">
+              <a:latin typeface="Arial"/>
+            </a:endParaRPr>
+          </a:p>
+          <a:p>
+            <a:r>
+              <a:rPr b="0" lang="ru-RU" sz="3200" spc="-1" strike="noStrike">
+                <a:latin typeface="Arial"/>
+              </a:rPr>
+              <a:t>  </a:t>
+            </a:r>
+            <a:r>
+              <a:rPr b="0" lang="ru-RU" sz="3200" spc="-1" strike="noStrike">
+                <a:latin typeface="Arial"/>
+              </a:rPr>
+              <a:t>app/</a:t>
+            </a:r>
+            <a:endParaRPr b="0" lang="ru-RU" sz="3200" spc="-1" strike="noStrike">
+              <a:latin typeface="Arial"/>
+            </a:endParaRPr>
+          </a:p>
+          <a:p>
+            <a:r>
+              <a:rPr b="0" lang="ru-RU" sz="3200" spc="-1" strike="noStrike">
+                <a:latin typeface="Arial"/>
+              </a:rPr>
+              <a:t>    </a:t>
+            </a:r>
+            <a:r>
+              <a:rPr b="0" lang="ru-RU" sz="3200" spc="-1" strike="noStrike">
+                <a:latin typeface="Arial"/>
+              </a:rPr>
+              <a:t>__init__.py</a:t>
+            </a:r>
+            <a:endParaRPr b="0" lang="ru-RU" sz="3200" spc="-1" strike="noStrike">
+              <a:latin typeface="Arial"/>
+            </a:endParaRPr>
+          </a:p>
+          <a:p>
+            <a:r>
+              <a:rPr b="0" lang="ru-RU" sz="3200" spc="-1" strike="noStrike">
+                <a:latin typeface="Arial"/>
+              </a:rPr>
+              <a:t>    </a:t>
+            </a:r>
+            <a:r>
+              <a:rPr b="0" lang="ru-RU" sz="3200" spc="-1" strike="noStrike">
+                <a:latin typeface="Arial"/>
+              </a:rPr>
+              <a:t>routes.py</a:t>
+            </a:r>
+            <a:endParaRPr b="0" lang="ru-RU" sz="3200" spc="-1" strike="noStrike">
+              <a:latin typeface="Arial"/>
+            </a:endParaRPr>
+          </a:p>
+          <a:p>
+            <a:r>
+              <a:rPr b="0" lang="ru-RU" sz="3200" spc="-1" strike="noStrike">
+                <a:latin typeface="Arial"/>
+              </a:rPr>
+              <a:t>  </a:t>
+            </a:r>
+            <a:r>
+              <a:rPr b="0" lang="ru-RU" sz="3200" spc="-1" strike="noStrike">
+                <a:latin typeface="Arial"/>
+              </a:rPr>
+              <a:t>microblog.py</a:t>
+            </a:r>
+            <a:endParaRPr b="0" lang="ru-RU" sz="3200" spc="-1" strike="noStrike">
+              <a:latin typeface="Arial"/>
+            </a:endParaRPr>
+          </a:p>
+        </p:txBody>
+      </p:sp>
+    </p:spTree>
+  </p:cSld>
+  <mc:AlternateContent>
+    <mc:Choice Requires="p14">
+      <p:transition spd="slow" p14:dur="2000"/>
+    </mc:Choice>
+    <mc:Fallback>
+      <p:transition spd="slow"/>
+    </mc:Fallback>
+  </mc:AlternateContent>
+</p:sld>
+</file>
+
+<file path=ppt/slides/slide6.xml><?xml version="1.0" encoding="utf-8"?>
+<p:sld xmlns:a="http://schemas.openxmlformats.org/drawingml/2006/main" xmlns:p="http://schemas.openxmlformats.org/presentationml/2006/main" xmlns:r="http://schemas.openxmlformats.org/officeDocument/2006/relationships" xmlns:p14="http://schemas.microsoft.com/office/powerpoint/2010/main" xmlns:p15="http://schemas.microsoft.com/office/powerpoint/2012/main" xmlns:mc="http://schemas.openxmlformats.org/markup-compatibility/2006">
+  <p:cSld>
+    <p:spTree>
+      <p:nvGrpSpPr>
+        <p:cNvPr id="1" name=""/>
+        <p:cNvGrpSpPr/>
+        <p:nvPr/>
+      </p:nvGrpSpPr>
+      <p:grpSpPr>
+        <a:xfrm>
+          <a:off x="0" y="0"/>
+          <a:ext cx="0" cy="0"/>
+          <a:chOff x="0" y="0"/>
+          <a:chExt cx="0" cy="0"/>
+        </a:xfrm>
+      </p:grpSpPr>
+      <p:sp>
+        <p:nvSpPr>
+          <p:cNvPr id="53" name="TextShape 1"/>
+          <p:cNvSpPr txBox="1"/>
+          <p:nvPr/>
+        </p:nvSpPr>
+        <p:spPr>
+          <a:xfrm>
+            <a:off x="504000" y="74160"/>
+            <a:ext cx="9071640" cy="1250280"/>
+          </a:xfrm>
+          <a:prstGeom prst="rect">
+            <a:avLst/>
+          </a:prstGeom>
+          <a:noFill/>
+          <a:ln>
+            <a:noFill/>
+          </a:ln>
+        </p:spPr>
+        <p:txBody>
+          <a:bodyPr lIns="0" rIns="0" tIns="0" bIns="0" anchor="ctr">
+            <a:spAutoFit/>
+          </a:bodyPr>
+          <a:p>
+            <a:pPr algn="ctr"/>
+            <a:endParaRPr b="0" lang="ru-RU" sz="4400" spc="-1" strike="noStrike">
+              <a:latin typeface="Arial"/>
+            </a:endParaRPr>
+          </a:p>
+        </p:txBody>
+      </p:sp>
+      <p:sp>
+        <p:nvSpPr>
+          <p:cNvPr id="54" name="TextShape 2"/>
+          <p:cNvSpPr txBox="1"/>
+          <p:nvPr/>
+        </p:nvSpPr>
+        <p:spPr>
+          <a:xfrm>
+            <a:off x="504000" y="1326600"/>
+            <a:ext cx="9071640" cy="3288240"/>
+          </a:xfrm>
+          <a:prstGeom prst="rect">
+            <a:avLst/>
+          </a:prstGeom>
+          <a:noFill/>
+          <a:ln>
+            <a:noFill/>
+          </a:ln>
+        </p:spPr>
+        <p:txBody>
+          <a:bodyPr lIns="0" rIns="0" tIns="0" bIns="0">
+            <a:normAutofit fontScale="76000"/>
+          </a:bodyPr>
+          <a:p>
+            <a:pPr marL="432000" indent="-324000">
+              <a:spcBef>
+                <a:spcPts val="1417"/>
+              </a:spcBef>
+              <a:buClr>
+                <a:srgbClr val="000000"/>
+              </a:buClr>
+              <a:buSzPct val="45000"/>
+              <a:buFont typeface="Wingdings" charset="2"/>
+              <a:buChar char=""/>
+            </a:pPr>
+            <a:r>
+              <a:rPr b="0" lang="ru-RU" sz="3200" spc="-1" strike="noStrike">
+                <a:latin typeface="Arial"/>
+              </a:rPr>
+              <a:t>..\Занятие 2\microblog&gt; $env:flask_app = ".\microblog.py"</a:t>
+            </a:r>
+            <a:endParaRPr b="0" lang="ru-RU" sz="3200" spc="-1" strike="noStrike">
+              <a:latin typeface="Arial"/>
+            </a:endParaRPr>
+          </a:p>
+          <a:p>
+            <a:pPr marL="432000" indent="-324000">
+              <a:spcBef>
+                <a:spcPts val="1417"/>
+              </a:spcBef>
+              <a:buClr>
+                <a:srgbClr val="000000"/>
+              </a:buClr>
+              <a:buSzPct val="45000"/>
+              <a:buFont typeface="Wingdings" charset="2"/>
+              <a:buChar char=""/>
+            </a:pPr>
+            <a:endParaRPr b="0" lang="ru-RU" sz="3200" spc="-1" strike="noStrike">
+              <a:latin typeface="Arial"/>
+            </a:endParaRPr>
+          </a:p>
+          <a:p>
+            <a:pPr marL="432000" indent="-324000">
+              <a:spcBef>
+                <a:spcPts val="1417"/>
+              </a:spcBef>
+              <a:buClr>
+                <a:srgbClr val="000000"/>
+              </a:buClr>
+              <a:buSzPct val="45000"/>
+              <a:buFont typeface="Wingdings" charset="2"/>
+              <a:buChar char=""/>
+            </a:pPr>
+            <a:r>
+              <a:rPr b="0" lang="ru-RU" sz="3200" spc="-1" strike="noStrike">
+                <a:latin typeface="Arial"/>
+              </a:rPr>
+              <a:t>..\Занятие 2\microblog&gt; py -m flask run</a:t>
+            </a:r>
+            <a:endParaRPr b="0" lang="ru-RU" sz="3200" spc="-1" strike="noStrike">
+              <a:latin typeface="Arial"/>
+            </a:endParaRPr>
+          </a:p>
+          <a:p>
+            <a:pPr marL="432000" indent="-324000">
+              <a:spcBef>
+                <a:spcPts val="1417"/>
+              </a:spcBef>
+              <a:buClr>
+                <a:srgbClr val="000000"/>
+              </a:buClr>
+              <a:buSzPct val="45000"/>
+              <a:buFont typeface="Wingdings" charset="2"/>
+              <a:buChar char=""/>
+            </a:pPr>
+            <a:r>
+              <a:rPr b="0" lang="ru-RU" sz="3200" spc="-1" strike="noStrike">
+                <a:latin typeface="Arial"/>
+              </a:rPr>
+              <a:t>* Serving Flask app "microblog"</a:t>
+            </a:r>
+            <a:endParaRPr b="0" lang="ru-RU" sz="3200" spc="-1" strike="noStrike">
+              <a:latin typeface="Arial"/>
+            </a:endParaRPr>
+          </a:p>
+          <a:p>
+            <a:pPr marL="432000" indent="-324000">
+              <a:spcBef>
+                <a:spcPts val="1417"/>
+              </a:spcBef>
+              <a:buClr>
+                <a:srgbClr val="000000"/>
+              </a:buClr>
+              <a:buSzPct val="45000"/>
+              <a:buFont typeface="Wingdings" charset="2"/>
+              <a:buChar char=""/>
+            </a:pPr>
+            <a:r>
+              <a:rPr b="0" lang="ru-RU" sz="3200" spc="-1" strike="noStrike">
+                <a:latin typeface="Arial"/>
+              </a:rPr>
+              <a:t>* Running on http://127.0.0.1:5000/ (Press CTRL+C to quit)</a:t>
+            </a:r>
             <a:endParaRPr b="0" lang="ru-RU" sz="3200" spc="-1" strike="noStrike">
               <a:latin typeface="Arial"/>
             </a:endParaRPr>
